--- a/lectures/lecture-27/Lecture-Live B00/Lecture 27 - Lecture.pptx
+++ b/lectures/lecture-27/Lecture-Live B00/Lecture 27 - Lecture.pptx
@@ -142,6 +142,262 @@
     </p:ext>
   </p:extLst>
 </p:presentation>
+</file>
+
+<file path=ppt/ink/ink1.xml><?xml version="1.0" encoding="utf-8"?>
+<inkml:ink xmlns:inkml="http://www.w3.org/2003/InkML">
+  <inkml:definitions>
+    <inkml:context xml:id="ctx0">
+      <inkml:inkSource xml:id="inkSrc0">
+        <inkml:traceFormat>
+          <inkml:channel name="X" type="integer" min="-2.14748E9" max="2.14748E9" units="cm"/>
+          <inkml:channel name="Y" type="integer" min="-2.14748E9" max="2.14748E9" units="cm"/>
+          <inkml:channel name="F" type="integer" max="32767" units="dev"/>
+          <inkml:channel name="OA" type="integer" max="360" units="deg"/>
+          <inkml:channel name="OE" type="integer" max="90" units="deg"/>
+        </inkml:traceFormat>
+        <inkml:channelProperties>
+          <inkml:channelProperty channel="X" name="resolution" value="1000" units="1/cm"/>
+          <inkml:channelProperty channel="Y" name="resolution" value="1000" units="1/cm"/>
+          <inkml:channelProperty channel="F" name="resolution" value="0" units="1/dev"/>
+          <inkml:channelProperty channel="OA" name="resolution" value="1000" units="1/deg"/>
+          <inkml:channelProperty channel="OE" name="resolution" value="1000" units="1/deg"/>
+        </inkml:channelProperties>
+      </inkml:inkSource>
+      <inkml:timestamp xml:id="ts0" timeString="2021-06-02T16:00:40.771"/>
+    </inkml:context>
+    <inkml:brush xml:id="br0">
+      <inkml:brushProperty name="width" value="0.05" units="cm"/>
+      <inkml:brushProperty name="height" value="0.05" units="cm"/>
+      <inkml:brushProperty name="color" value="#FF0066"/>
+    </inkml:brush>
+  </inkml:definitions>
+  <inkml:trace contextRef="#ctx0" brushRef="#br0">102 82 2760 0 0,'-6'-1'6481'0'0,"-8"-3"-4114"0"0,11 3-2028 0 0,0-1 0 0 0,0 1 0 0 0,-1 0 0 0 0,1 0-1 0 0,-5-1 1 0 0,-12-4 2212 0 0,18 5-2235 0 0,0 1 1 0 0,-1 0 0 0 0,1 1 0 0 0,0-1 0 0 0,0 0 0 0 0,-1 1 0 0 0,1-1 0 0 0,0 1 0 0 0,0 0 0 0 0,0-1 0 0 0,0 1-1 0 0,-3 2 1 0 0,4-3-204 0 0,1 0 0 0 0,0 0-1 0 0,-1 0 1 0 0,1 1 0 0 0,0-1-1 0 0,0 0 1 0 0,-1 0 0 0 0,1 0-1 0 0,0 1 1 0 0,-1-1 0 0 0,1 0-1 0 0,0 0 1 0 0,0 1 0 0 0,-1-1-1 0 0,1 0 1 0 0,0 0 0 0 0,0 1-1 0 0,0-1 1 0 0,0 0 0 0 0,-1 1-1 0 0,1-1 1 0 0,0 0 0 0 0,0 1-1 0 0,0-1 1 0 0,0 1 0 0 0,0-1-1 0 0,0 0 1 0 0,0 1-1 0 0,0-1 1 0 0,0 0 0 0 0,0 1-1 0 0,0-1 1 0 0,0 0 0 0 0,0 1-1 0 0,0-1 1 0 0,0 0 0 0 0,0 1-1 0 0,1-1 1 0 0,-1 0 0 0 0,0 1-1 0 0,19 7 1946 0 0,-19-8-2085 0 0,5 1 169 0 0,0 1 1 0 0,1-2-1 0 0,-1 1 1 0 0,9 0-1 0 0,41-5-12 0 0,-44 3 13 0 0,170-29 918 0 0,-55 14-401 0 0,-58 7-207 0 0,110-2-1 0 0,-128 10-385 0 0,-5 1-149 0 0,57 9 0 0 0,-21-2 205 0 0,116 1 955 0 0,-105-6-1083 0 0,-46-3-3 0 0,81-11 0 0 0,-77 5 103 0 0,51 1 1 0 0,-65 7-4 0 0,0 1 1 0 0,0 2 0 0 0,69 18-1 0 0,-55-15 330 0 0,-48-6-440 0 0,0-1 1 0 0,1 1 0 0 0,-1-1 0 0 0,1 0-1 0 0,-1 0 1 0 0,1 0 0 0 0,-1-1-1 0 0,4 0 1 0 0,14-1 94 0 0,-20 2-77 0 0,2-1-4 0 0,0 1 0 0 0,0 0 1 0 0,0 0-1 0 0,0-1 0 0 0,-1 1 0 0 0,1-1 1 0 0,0 0-1 0 0,0 1 0 0 0,-1-1 0 0 0,1 0 1 0 0,0 0-1 0 0,-1 0 0 0 0,1 0 0 0 0,-1 0 1 0 0,1-1-1 0 0,1-1 0 0 0,-1 1 4 0 0,12-17-8 0 0,-13 18 0 0 0,-1 0-1 0 0,1-1 1 0 0,-1 1-1 0 0,0 0 1 0 0,1 0-1 0 0,-1-1 1 0 0,0 1-1 0 0,0 0 1 0 0,0 0-1 0 0,0-2 1 0 0,1 2-294 0 0,-1 1 0 0 0,1-1 0 0 0,0 1 0 0 0,-1-1 0 0 0,1 1 0 0 0,0-1 0 0 0,-1 1 0 0 0,1 0 0 0 0,0-1 1 0 0,-1 1-1 0 0,1 0 0 0 0,0 0 0 0 0,0-1 0 0 0,1 1 0 0 0</inkml:trace>
+</inkml:ink>
+</file>
+
+<file path=ppt/ink/ink2.xml><?xml version="1.0" encoding="utf-8"?>
+<inkml:ink xmlns:inkml="http://www.w3.org/2003/InkML">
+  <inkml:definitions>
+    <inkml:context xml:id="ctx0">
+      <inkml:inkSource xml:id="inkSrc0">
+        <inkml:traceFormat>
+          <inkml:channel name="X" type="integer" min="-2.14748E9" max="2.14748E9" units="cm"/>
+          <inkml:channel name="Y" type="integer" min="-2.14748E9" max="2.14748E9" units="cm"/>
+          <inkml:channel name="F" type="integer" max="32767" units="dev"/>
+          <inkml:channel name="OA" type="integer" max="360" units="deg"/>
+          <inkml:channel name="OE" type="integer" max="90" units="deg"/>
+        </inkml:traceFormat>
+        <inkml:channelProperties>
+          <inkml:channelProperty channel="X" name="resolution" value="1000" units="1/cm"/>
+          <inkml:channelProperty channel="Y" name="resolution" value="1000" units="1/cm"/>
+          <inkml:channelProperty channel="F" name="resolution" value="0" units="1/dev"/>
+          <inkml:channelProperty channel="OA" name="resolution" value="1000" units="1/deg"/>
+          <inkml:channelProperty channel="OE" name="resolution" value="1000" units="1/deg"/>
+        </inkml:channelProperties>
+      </inkml:inkSource>
+      <inkml:timestamp xml:id="ts0" timeString="2021-06-02T16:00:45.437"/>
+    </inkml:context>
+    <inkml:brush xml:id="br0">
+      <inkml:brushProperty name="width" value="0.05" units="cm"/>
+      <inkml:brushProperty name="height" value="0.05" units="cm"/>
+      <inkml:brushProperty name="color" value="#FF0066"/>
+    </inkml:brush>
+  </inkml:definitions>
+  <inkml:trace contextRef="#ctx0" brushRef="#br0">79 76 6336 0 0,'-11'12'680'0'0,"-34"1"6736"0"0,43-13-6820 0 0,-18 8 8337 0 0,120 1-5444 0 0,-96-8-3461 0 0,0-1 0 0 0,1 1 0 0 0,-1 0-1 0 0,0 0 1 0 0,4 1 0 0 0,6 2-30 0 0,7 0 75 0 0,1 0 0 0 0,-1-2 0 0 0,41-1 0 0 0,65-12 435 0 0,-65 4-347 0 0,123-21 741 0 0,-6 1-933 0 0,-92 19 97 0 0,122-14 92 0 0,-151 14-5 0 0,23-5 732 0 0,118-1 0 0 0,-138 14-866 0 0,67 9 1 0 0,-102-5-102 0 0,0 1 1 0 0,-1 1-1 0 0,0 1 0 0 0,0 1 1 0 0,30 16-1 0 0,-31-13 363 0 0,-1 0 0 0 0,1-1-1 0 0,1-2 1 0 0,48 11 0 0 0,99 10-123 0 0,-53-8-888 0 0,-104-19 814 0 0,1 0-1 0 0,-1-1 0 0 0,0-1 1 0 0,30-4-1 0 0,67-2 176 0 0,-110 6-210 0 0,-1 1 7 0 0,6 1-45 0 0,8 3-94 0 0,-13-5-16 0 0,11-1 30 0 0,-11 1 112 0 0,4-1 21 0 0,-6 1-71 0 0,0 0 0 0 0,1 0 0 0 0,-1 0 0 0 0,0 0 0 0 0,0-1 0 0 0,0 1 0 0 0,0 0 0 0 0,1 0 0 0 0,-1 0 0 0 0,0 0 0 0 0,0 0 0 0 0,0 0 0 0 0,0 0 0 0 0,1 0 0 0 0,-1-1 0 0 0,0 1 0 0 0,0 0 0 0 0,0 0 0 0 0,0 0 0 0 0,0 0 0 0 0,0 0 0 0 0,0-1 0 0 0,1 1 0 0 0,-1 0 0 0 0,0 0 0 0 0,0 0 0 0 0,0 0 0 0 0,0-1 0 0 0,0 1 0 0 0,0 0 0 0 0,0 0 1 0 0,0 0-1 0 0,0-1 0 0 0,0 1 0 0 0,0 0 0 0 0,0 0 0 0 0,0 0 0 0 0,0-1 0 0 0,0 1 0 0 0,0 0 0 0 0,0 0 0 0 0,0 0 0 0 0,-1 0 0 0 0,1-1 0 0 0,0 1 0 0 0,0 0 0 0 0,0 0 0 0 0,0 0 0 0 0,0 0 0 0 0,0 0 0 0 0,0-1 0 0 0,-1 1 0 0 0,1 0 0 0 0,0 0 0 0 0,0 0 0 0 0,0 0 0 0 0,0 0 0 0 0,-9-7-1156 0 0,-7 4-1199 0 0,5 1 207 0 0,-1 0 0 0 0,-13-1 1 0 0,4 4-68 0 0</inkml:trace>
+</inkml:ink>
+</file>
+
+<file path=ppt/ink/ink3.xml><?xml version="1.0" encoding="utf-8"?>
+<inkml:ink xmlns:inkml="http://www.w3.org/2003/InkML">
+  <inkml:definitions>
+    <inkml:context xml:id="ctx0">
+      <inkml:inkSource xml:id="inkSrc0">
+        <inkml:traceFormat>
+          <inkml:channel name="X" type="integer" min="-2.14748E9" max="2.14748E9" units="cm"/>
+          <inkml:channel name="Y" type="integer" min="-2.14748E9" max="2.14748E9" units="cm"/>
+          <inkml:channel name="F" type="integer" max="32767" units="dev"/>
+          <inkml:channel name="OA" type="integer" max="360" units="deg"/>
+          <inkml:channel name="OE" type="integer" max="90" units="deg"/>
+        </inkml:traceFormat>
+        <inkml:channelProperties>
+          <inkml:channelProperty channel="X" name="resolution" value="1000" units="1/cm"/>
+          <inkml:channelProperty channel="Y" name="resolution" value="1000" units="1/cm"/>
+          <inkml:channelProperty channel="F" name="resolution" value="0" units="1/dev"/>
+          <inkml:channelProperty channel="OA" name="resolution" value="1000" units="1/deg"/>
+          <inkml:channelProperty channel="OE" name="resolution" value="1000" units="1/deg"/>
+        </inkml:channelProperties>
+      </inkml:inkSource>
+      <inkml:timestamp xml:id="ts0" timeString="2021-06-02T16:00:50.418"/>
+    </inkml:context>
+    <inkml:brush xml:id="br0">
+      <inkml:brushProperty name="width" value="0.05" units="cm"/>
+      <inkml:brushProperty name="height" value="0.05" units="cm"/>
+      <inkml:brushProperty name="color" value="#FF0066"/>
+    </inkml:brush>
+  </inkml:definitions>
+  <inkml:trace contextRef="#ctx0" brushRef="#br0">132 88 4608 0 0,'-12'-5'448'0'0,"10"4"-173"0"0,-1 0 0 0 0,1 0-1 0 0,0 0 1 0 0,0-1 0 0 0,0 1 0 0 0,0 0 0 0 0,0-1-1 0 0,1 1 1 0 0,-1-1 0 0 0,0 0 0 0 0,1 0 0 0 0,-1 1 0 0 0,-1-4-1 0 0,1 2 160 0 0,-1 0 1 0 0,1 0-1 0 0,-1 0 0 0 0,0 1 0 0 0,-4-4 0 0 0,4 4-192 0 0,0 1 0 0 0,0-1 0 0 0,0 1-1 0 0,0 0 1 0 0,0 0 0 0 0,0 0 0 0 0,-1 0 0 0 0,1 0 0 0 0,0 1 0 0 0,-1 0 0 0 0,1-1 0 0 0,0 1 0 0 0,-1 0 0 0 0,1 1 0 0 0,0-1 0 0 0,-5 1 0 0 0,7 0-50 0 0,1-1-1 0 0,-1 0 1 0 0,1 0 0 0 0,-1 0-1 0 0,0 0 1 0 0,1 0 0 0 0,-1-1 0 0 0,0 1-1 0 0,1 0 1 0 0,-1 0 0 0 0,-4-3 4023 0 0,32 1-3646 0 0,0 0 0 0 0,0 2 0 0 0,29 2 1 0 0,29 9-238 0 0,-30-2 49 0 0,29 2 53 0 0,43-6 134 0 0,-3 0-862 0 0,232-6 2163 0 0,-138-6-1734 0 0,-120 6 355 0 0,174 7 388 0 0,-220-3-581 0 0,57-4-1 0 0,25 0-238 0 0,-68 8 15 0 0,31 14 232 0 0,-23-5-102 0 0,-31-7-94 0 0,-3 0 253 0 0,54 4-1 0 0,16-11 11 0 0,-93-3-326 0 0,-1-1-1 0 0,1-1 1 0 0,-1 0-1 0 0,25-8 1 0 0,72-23 65 0 0,-57 18-54 0 0,-37 11 57 0 0,0 0 0 0 0,32-2 1 0 0,52 4-457 0 0,-101 3 396 0 0,0 0 1 0 0,0-1-1 0 0,0 1 0 0 0,1 0 0 0 0,-1-1 0 0 0,0 0 0 0 0,0 1 0 0 0,0-1 0 0 0,-1 0 0 0 0,1 0 0 0 0,0 0 1 0 0,0 0-1 0 0,0 0 0 0 0,-1 0 0 0 0,3-3 0 0 0,-3 4-147 0 0,0-1 0 0 0,0 0 1 0 0,0 0-1 0 0,0-1 0 0 0,-1 1 0 0 0,1 0 0 0 0,0 0 1 0 0,-1 0-1 0 0,1 0 0 0 0,-1-1 0 0 0,1 1 1 0 0,-1 0-1 0 0,1 0 0 0 0,-1-1 0 0 0,0 1 0 0 0,0 0 1 0 0,0-1-1 0 0,0 1 0 0 0,0 0 0 0 0,0-1 0 0 0,0 1 1 0 0,0 0-1 0 0,-1-3 0 0 0,1-1-1163 0 0</inkml:trace>
+</inkml:ink>
+</file>
+
+<file path=ppt/ink/ink4.xml><?xml version="1.0" encoding="utf-8"?>
+<inkml:ink xmlns:inkml="http://www.w3.org/2003/InkML">
+  <inkml:definitions>
+    <inkml:context xml:id="ctx0">
+      <inkml:inkSource xml:id="inkSrc0">
+        <inkml:traceFormat>
+          <inkml:channel name="X" type="integer" min="-2.14748E9" max="2.14748E9" units="cm"/>
+          <inkml:channel name="Y" type="integer" min="-2.14748E9" max="2.14748E9" units="cm"/>
+          <inkml:channel name="F" type="integer" max="32767" units="dev"/>
+          <inkml:channel name="OA" type="integer" max="360" units="deg"/>
+          <inkml:channel name="OE" type="integer" max="90" units="deg"/>
+        </inkml:traceFormat>
+        <inkml:channelProperties>
+          <inkml:channelProperty channel="X" name="resolution" value="1000" units="1/cm"/>
+          <inkml:channelProperty channel="Y" name="resolution" value="1000" units="1/cm"/>
+          <inkml:channelProperty channel="F" name="resolution" value="0" units="1/dev"/>
+          <inkml:channelProperty channel="OA" name="resolution" value="1000" units="1/deg"/>
+          <inkml:channelProperty channel="OE" name="resolution" value="1000" units="1/deg"/>
+        </inkml:channelProperties>
+      </inkml:inkSource>
+      <inkml:timestamp xml:id="ts0" timeString="2021-06-02T16:00:51.950"/>
+    </inkml:context>
+    <inkml:brush xml:id="br0">
+      <inkml:brushProperty name="width" value="0.05" units="cm"/>
+      <inkml:brushProperty name="height" value="0.05" units="cm"/>
+      <inkml:brushProperty name="color" value="#FF0066"/>
+    </inkml:brush>
+  </inkml:definitions>
+  <inkml:trace contextRef="#ctx0" brushRef="#br0">48 70 1840 0 0,'-7'-1'4186'0'0,"-8"-3"2898"0"0,13 4-6634 0 0,1-1 1 0 0,0 1-1 0 0,-1-1 0 0 0,1 0 0 0 0,0 0 0 0 0,0 1 0 0 0,0-1 0 0 0,-1 0 1 0 0,1 0-1 0 0,0 0 0 0 0,-1-2 0 0 0,-8-6 5741 0 0,10 7-6109 0 0,1 1-1 0 0,-1-1 1 0 0,1 1 0 0 0,-1-1-1 0 0,1 0 1 0 0,0 1-1 0 0,-1-1 1 0 0,1 1-1 0 0,0 0 1 0 0,0-1 0 0 0,0 1-1 0 0,0 0 1 0 0,0-1-1 0 0,0 1 1 0 0,3-2 998 0 0,12 0-353 0 0,40 7 301 0 0,10-1-148 0 0,76-9-740 0 0,77-3 533 0 0,-71 5-340 0 0,131 0 201 0 0,-196 6-215 0 0,109 17-1 0 0,-28 5 215 0 0,174 34-438 0 0,-319-53-116 0 0,0 0 0 0 0,26 1 0 0 0,-38-5 20 0 0,0-1-1 0 0,-1 0 1 0 0,1-1 0 0 0,0 0-1 0 0,-1 0 1 0 0,1 0 0 0 0,0-1 0 0 0,-1 1-1 0 0,0-2 1 0 0,9-3 0 0 0,-8 3 71 0 0,-4 2-59 0 0,0 0 0 0 0,-1 0-1 0 0,1 0 1 0 0,0 0 0 0 0,-1-1 0 0 0,1 1 0 0 0,-1-1 0 0 0,1 0 0 0 0,-1 0-1 0 0,0 0 1 0 0,0 0 0 0 0,0 0 0 0 0,0 0 0 0 0,0-1 0 0 0,2-3 0 0 0,-4 6-63 0 0,0 0 0 0 0,0 0 0 0 0,1-1 1 0 0,-1 1-1 0 0,0 0 0 0 0,0 0 0 0 0,0 0 1 0 0,0 0-1 0 0,0 0 0 0 0,0-1 0 0 0,0 1 1 0 0,0 0-1 0 0,0 0 0 0 0,0 0 0 0 0,0 0 1 0 0,-1-1-1 0 0,1 1 0 0 0,0 0 0 0 0,0 0 0 0 0,0 0 1 0 0,0 0-1 0 0,0 0 0 0 0,0-1 0 0 0,0 1 1 0 0,0 0-1 0 0,0 0 0 0 0,0 0 0 0 0,0 0 1 0 0,-1 0-1 0 0,1 0 0 0 0,0 0 0 0 0,0 0 1 0 0,0-1-1 0 0,0 1 0 0 0,0 0 0 0 0,-1 0 1 0 0,1 0-1 0 0,0 0 0 0 0,0 0 0 0 0,0 0 1 0 0,0 0-1 0 0,0 0 0 0 0,-1 0 0 0 0,1 0 0 0 0,0 0 1 0 0,0 0-1 0 0,-7-1-2974 0 0,3 3 1004 0 0</inkml:trace>
+</inkml:ink>
+</file>
+
+<file path=ppt/ink/ink5.xml><?xml version="1.0" encoding="utf-8"?>
+<inkml:ink xmlns:inkml="http://www.w3.org/2003/InkML">
+  <inkml:definitions>
+    <inkml:context xml:id="ctx0">
+      <inkml:inkSource xml:id="inkSrc0">
+        <inkml:traceFormat>
+          <inkml:channel name="X" type="integer" min="-2.14748E9" max="2.14748E9" units="cm"/>
+          <inkml:channel name="Y" type="integer" min="-2.14748E9" max="2.14748E9" units="cm"/>
+          <inkml:channel name="F" type="integer" max="32767" units="dev"/>
+          <inkml:channel name="OA" type="integer" max="360" units="deg"/>
+          <inkml:channel name="OE" type="integer" max="90" units="deg"/>
+        </inkml:traceFormat>
+        <inkml:channelProperties>
+          <inkml:channelProperty channel="X" name="resolution" value="1000" units="1/cm"/>
+          <inkml:channelProperty channel="Y" name="resolution" value="1000" units="1/cm"/>
+          <inkml:channelProperty channel="F" name="resolution" value="0" units="1/dev"/>
+          <inkml:channelProperty channel="OA" name="resolution" value="1000" units="1/deg"/>
+          <inkml:channelProperty channel="OE" name="resolution" value="1000" units="1/deg"/>
+        </inkml:channelProperties>
+      </inkml:inkSource>
+      <inkml:timestamp xml:id="ts0" timeString="2021-06-02T16:00:57.782"/>
+    </inkml:context>
+    <inkml:brush xml:id="br0">
+      <inkml:brushProperty name="width" value="0.05" units="cm"/>
+      <inkml:brushProperty name="height" value="0.05" units="cm"/>
+      <inkml:brushProperty name="color" value="#FF0066"/>
+    </inkml:brush>
+  </inkml:definitions>
+  <inkml:trace contextRef="#ctx0" brushRef="#br0">23 17 8896 0 0,'0'-1'33'0'0,"0"0"1"0"0,0 0-1 0 0,0 1 0 0 0,0-1 1 0 0,0 0-1 0 0,-1 0 1 0 0,1 1-1 0 0,0-1 0 0 0,-1 0 1 0 0,1 1-1 0 0,0-1 1 0 0,-1 0-1 0 0,1 1 0 0 0,-1-1 1 0 0,1 1-1 0 0,-1-1 1 0 0,1 1-1 0 0,-1-1 0 0 0,1 1 1 0 0,-1-1-1 0 0,-14 0 12515 0 0,42 11-11734 0 0,-22-9-631 0 0,-1-1-1 0 0,1 1 1 0 0,0-1-1 0 0,-1 0 0 0 0,1 0 1 0 0,-1 0-1 0 0,1-1 1 0 0,0 0-1 0 0,5-1 0 0 0,-5 1-8 0 0,0 0 0 0 0,0 0 0 0 0,0 0 0 0 0,1 1 0 0 0,-1 0 0 0 0,7 1 0 0 0,24 2 609 0 0,0-1 0 0 0,60-4 1 0 0,-41-1-416 0 0,349-4 1471 0 0,-189 11-746 0 0,-40 1-1085 0 0,8 3 113 0 0,1 0 305 0 0,-54-13-188 0 0,-96 2 76 0 0,-33 2-345 0 0,0 0-145 0 0</inkml:trace>
+</inkml:ink>
+</file>
+
+<file path=ppt/ink/ink6.xml><?xml version="1.0" encoding="utf-8"?>
+<inkml:ink xmlns:inkml="http://www.w3.org/2003/InkML">
+  <inkml:definitions>
+    <inkml:context xml:id="ctx0">
+      <inkml:inkSource xml:id="inkSrc0">
+        <inkml:traceFormat>
+          <inkml:channel name="X" type="integer" min="-2.14748E9" max="2.14748E9" units="cm"/>
+          <inkml:channel name="Y" type="integer" min="-2.14748E9" max="2.14748E9" units="cm"/>
+          <inkml:channel name="F" type="integer" max="32767" units="dev"/>
+          <inkml:channel name="OA" type="integer" max="360" units="deg"/>
+          <inkml:channel name="OE" type="integer" max="90" units="deg"/>
+        </inkml:traceFormat>
+        <inkml:channelProperties>
+          <inkml:channelProperty channel="X" name="resolution" value="1000" units="1/cm"/>
+          <inkml:channelProperty channel="Y" name="resolution" value="1000" units="1/cm"/>
+          <inkml:channelProperty channel="F" name="resolution" value="0" units="1/dev"/>
+          <inkml:channelProperty channel="OA" name="resolution" value="1000" units="1/deg"/>
+          <inkml:channelProperty channel="OE" name="resolution" value="1000" units="1/deg"/>
+        </inkml:channelProperties>
+      </inkml:inkSource>
+      <inkml:timestamp xml:id="ts0" timeString="2021-06-02T16:01:04.903"/>
+    </inkml:context>
+    <inkml:brush xml:id="br0">
+      <inkml:brushProperty name="width" value="0.05" units="cm"/>
+      <inkml:brushProperty name="height" value="0.05" units="cm"/>
+      <inkml:brushProperty name="color" value="#FF0066"/>
+    </inkml:brush>
+  </inkml:definitions>
+  <inkml:trace contextRef="#ctx0" brushRef="#br0">12 102 10424 0 0,'0'0'792'0'0,"-11"-10"-346"0"0,13-13 16912 0 0,14 18-17051 0 0,-1 5-235 0 0,0 0-1 0 0,-1-2 1 0 0,1 0 0 0 0,0 0-1 0 0,-1-2 1 0 0,24-7-1 0 0,-24 7-89 0 0,1 0 0 0 0,0 1 0 0 0,26-1 0 0 0,-14 1-27 0 0,136-10 674 0 0,-108 12-571 0 0,26-3 15 0 0,-52 3-68 0 0,39-4 107 0 0,136 8-1 0 0,-179-1 8 0 0,29-2 0 0 0,-17-1 71 0 0,29-1-186 0 0,62 3-80 0 0,-78 3 112 0 0,-24-3 10 0 0,42 7 0 0 0,-46-4 16 0 0,34 0 0 0 0,-27-3 54 0 0,54 4 161 0 0,75 6-658 0 0,-64 2 21 0 0,33-6 1096 0 0,24 1-736 0 0,-52 4 55 0 0,-53-5 198 0 0,63 2 0 0 0,-33-10-497 0 0,126 4 262 0 0,-187-2 128 0 0,120 3 389 0 0,101-16-1207 0 0,-53 6 721 0 0,-41-3 192 0 0,71-2-95 0 0,-83 6-237 0 0,-74 1 180 0 0,88 6 0 0 0,86 9-481 0 0,-119-7 632 0 0,-75-1-219 0 0,0 1 0 0 0,0 1 1 0 0,50 15-1 0 0,-54-8-21 0 0,-19-7 0 0 0,1-1 0 0 0,17 5 0 0 0,-30-9 1 0 0,-1 0 0 0 0,0 0 0 0 0,0 0 0 0 0,0 0 0 0 0,0 0 0 0 0,1 0 0 0 0,-1 0 0 0 0,0 0-1 0 0,0 0 1 0 0,0 0 0 0 0,0 0 0 0 0,1 0 0 0 0,-1 0 0 0 0,0 0 0 0 0,0 0 0 0 0,0 0 0 0 0,0 0 0 0 0,1 0 0 0 0,-1 0 0 0 0,0 0 0 0 0,0 0 0 0 0,0 0 0 0 0,0-1 0 0 0,0 1-1 0 0,1 0 1 0 0,-1 0 0 0 0,0 0 0 0 0,0 0 0 0 0,0 0 0 0 0,0 0 0 0 0,0-1 0 0 0,0 1 0 0 0,0 0 0 0 0,1 0 0 0 0,-1 0 0 0 0,0 0 0 0 0,0 0 0 0 0,0-1 0 0 0,0 1 0 0 0,0 0-1 0 0,0 0 1 0 0,0 0 0 0 0,0 0 0 0 0,0-1 0 0 0,0 1 0 0 0,0 0 0 0 0,0 0 0 0 0,0 0 0 0 0,0 0 0 0 0,0-1 0 0 0,0 1 0 0 0,0 0 0 0 0,0 0 0 0 0,0 0 0 0 0,0 0 0 0 0,0-1-1 0 0,-1 1 1 0 0,1 0 0 0 0,0 0 0 0 0,0 0 0 0 0,0 0 0 0 0,0 0 0 0 0,0-1 0 0 0,-5-6 91 0 0,-14-16-2599 0 0,8 12-383 0 0,8 7 1295 0 0</inkml:trace>
+</inkml:ink>
+</file>
+
+<file path=ppt/ink/ink7.xml><?xml version="1.0" encoding="utf-8"?>
+<inkml:ink xmlns:inkml="http://www.w3.org/2003/InkML">
+  <inkml:definitions>
+    <inkml:context xml:id="ctx0">
+      <inkml:inkSource xml:id="inkSrc0">
+        <inkml:traceFormat>
+          <inkml:channel name="X" type="integer" min="-2.14748E9" max="2.14748E9" units="cm"/>
+          <inkml:channel name="Y" type="integer" min="-2.14748E9" max="2.14748E9" units="cm"/>
+          <inkml:channel name="F" type="integer" max="32767" units="dev"/>
+          <inkml:channel name="OA" type="integer" max="360" units="deg"/>
+          <inkml:channel name="OE" type="integer" max="90" units="deg"/>
+        </inkml:traceFormat>
+        <inkml:channelProperties>
+          <inkml:channelProperty channel="X" name="resolution" value="1000" units="1/cm"/>
+          <inkml:channelProperty channel="Y" name="resolution" value="1000" units="1/cm"/>
+          <inkml:channelProperty channel="F" name="resolution" value="0" units="1/dev"/>
+          <inkml:channelProperty channel="OA" name="resolution" value="1000" units="1/deg"/>
+          <inkml:channelProperty channel="OE" name="resolution" value="1000" units="1/deg"/>
+        </inkml:channelProperties>
+      </inkml:inkSource>
+      <inkml:timestamp xml:id="ts0" timeString="2021-06-02T16:01:06.812"/>
+    </inkml:context>
+    <inkml:brush xml:id="br0">
+      <inkml:brushProperty name="width" value="0.05" units="cm"/>
+      <inkml:brushProperty name="height" value="0.05" units="cm"/>
+      <inkml:brushProperty name="color" value="#FF0066"/>
+    </inkml:brush>
+  </inkml:definitions>
+  <inkml:trace contextRef="#ctx0" brushRef="#br0">27 13 1840 0 0,'-27'5'12800'0'0,"38"-9"-11458"0"0,-8 3-1116 0 0,1 0-1 0 0,-1 1 0 0 0,0 0 1 0 0,1 0-1 0 0,-1 0 0 0 0,0 0 1 0 0,5 1-1 0 0,-1-1 161 0 0,21 1 869 0 0,29 6-1 0 0,-29-3-638 0 0,32 0 1 0 0,52-6 912 0 0,76 1-521 0 0,43 0 83 0 0,0-1 375 0 0,-100-1-808 0 0,-36-1-300 0 0,-28 3 34 0 0,59 2 88 0 0,-92-1 135 0 0,48-5-1 0 0,-11 0-436 0 0,-14 2-63 0 0,75 0 259 0 0,-52 7-49 0 0,-63-4-3808 0 0,1 0-3789 0 0</inkml:trace>
+</inkml:ink>
+</file>
+
+<file path=ppt/ink/ink8.xml><?xml version="1.0" encoding="utf-8"?>
+<inkml:ink xmlns:inkml="http://www.w3.org/2003/InkML">
+  <inkml:definitions>
+    <inkml:context xml:id="ctx0">
+      <inkml:inkSource xml:id="inkSrc0">
+        <inkml:traceFormat>
+          <inkml:channel name="X" type="integer" min="-2.14748E9" max="2.14748E9" units="cm"/>
+          <inkml:channel name="Y" type="integer" min="-2.14748E9" max="2.14748E9" units="cm"/>
+          <inkml:channel name="F" type="integer" max="32767" units="dev"/>
+          <inkml:channel name="OA" type="integer" max="360" units="deg"/>
+          <inkml:channel name="OE" type="integer" max="90" units="deg"/>
+        </inkml:traceFormat>
+        <inkml:channelProperties>
+          <inkml:channelProperty channel="X" name="resolution" value="1000" units="1/cm"/>
+          <inkml:channelProperty channel="Y" name="resolution" value="1000" units="1/cm"/>
+          <inkml:channelProperty channel="F" name="resolution" value="0" units="1/dev"/>
+          <inkml:channelProperty channel="OA" name="resolution" value="1000" units="1/deg"/>
+          <inkml:channelProperty channel="OE" name="resolution" value="1000" units="1/deg"/>
+        </inkml:channelProperties>
+      </inkml:inkSource>
+      <inkml:timestamp xml:id="ts0" timeString="2021-06-02T16:01:07.671"/>
+    </inkml:context>
+    <inkml:brush xml:id="br0">
+      <inkml:brushProperty name="width" value="0.05" units="cm"/>
+      <inkml:brushProperty name="height" value="0.05" units="cm"/>
+      <inkml:brushProperty name="color" value="#FF0066"/>
+    </inkml:brush>
+  </inkml:definitions>
+  <inkml:trace contextRef="#ctx0" brushRef="#br0">15 37 3224 0 0,'-14'-8'17013'0'0,"15"6"-16851"0"0,0 1-1 0 0,0 0 1 0 0,0-1 0 0 0,1 1 0 0 0,-1 0 0 0 0,0 0-1 0 0,1 0 1 0 0,-1 0 0 0 0,1 0 0 0 0,0 1 0 0 0,-1-1-1 0 0,1 0 1 0 0,0 1 0 0 0,-1-1 0 0 0,1 1 0 0 0,0-1-1 0 0,3 1 1 0 0,35-1 581 0 0,-29 1-186 0 0,104-5 634 0 0,23 0-821 0 0,344 11 2914 0 0,-159-4-2459 0 0,96-5 764 0 0,-281 2-1511 0 0,52-3 540 0 0,-51 3-81 0 0,-100 1-4036 0 0,6 0-4780 0 0</inkml:trace>
+</inkml:ink>
 </file>
 
 <file path=ppt/notesMasters/notesMaster1.xml><?xml version="1.0" encoding="utf-8"?>
@@ -836,7 +1092,7 @@
           <a:p>
             <a:fld id="{3A2BF66F-FEB0-48C1-A8B9-A73F54BB1A08}" type="datetimeFigureOut">
               <a:rPr lang="en-US" smtClean="0"/>
-              <a:t>6/1/2021</a:t>
+              <a:t>6/2/2021</a:t>
             </a:fld>
             <a:endParaRPr lang="en-US" dirty="0"/>
           </a:p>
@@ -1044,7 +1300,7 @@
           <a:p>
             <a:fld id="{3A2BF66F-FEB0-48C1-A8B9-A73F54BB1A08}" type="datetimeFigureOut">
               <a:rPr lang="en-US" smtClean="0"/>
-              <a:t>6/1/2021</a:t>
+              <a:t>6/2/2021</a:t>
             </a:fld>
             <a:endParaRPr lang="en-US" dirty="0"/>
           </a:p>
@@ -1262,7 +1518,7 @@
           <a:p>
             <a:fld id="{3A2BF66F-FEB0-48C1-A8B9-A73F54BB1A08}" type="datetimeFigureOut">
               <a:rPr lang="en-US" smtClean="0"/>
-              <a:t>6/1/2021</a:t>
+              <a:t>6/2/2021</a:t>
             </a:fld>
             <a:endParaRPr lang="en-US" dirty="0"/>
           </a:p>
@@ -1470,7 +1726,7 @@
           <a:p>
             <a:fld id="{3A2BF66F-FEB0-48C1-A8B9-A73F54BB1A08}" type="datetimeFigureOut">
               <a:rPr lang="en-US" smtClean="0"/>
-              <a:t>6/1/2021</a:t>
+              <a:t>6/2/2021</a:t>
             </a:fld>
             <a:endParaRPr lang="en-US" dirty="0"/>
           </a:p>
@@ -1755,7 +2011,7 @@
           <a:p>
             <a:fld id="{3A2BF66F-FEB0-48C1-A8B9-A73F54BB1A08}" type="datetimeFigureOut">
               <a:rPr lang="en-US" smtClean="0"/>
-              <a:t>6/1/2021</a:t>
+              <a:t>6/2/2021</a:t>
             </a:fld>
             <a:endParaRPr lang="en-US" dirty="0"/>
           </a:p>
@@ -2030,7 +2286,7 @@
           <a:p>
             <a:fld id="{3A2BF66F-FEB0-48C1-A8B9-A73F54BB1A08}" type="datetimeFigureOut">
               <a:rPr lang="en-US" smtClean="0"/>
-              <a:t>6/1/2021</a:t>
+              <a:t>6/2/2021</a:t>
             </a:fld>
             <a:endParaRPr lang="en-US" dirty="0"/>
           </a:p>
@@ -2452,7 +2708,7 @@
           <a:p>
             <a:fld id="{3A2BF66F-FEB0-48C1-A8B9-A73F54BB1A08}" type="datetimeFigureOut">
               <a:rPr lang="en-US" smtClean="0"/>
-              <a:t>6/1/2021</a:t>
+              <a:t>6/2/2021</a:t>
             </a:fld>
             <a:endParaRPr lang="en-US" dirty="0"/>
           </a:p>
@@ -2603,7 +2859,7 @@
           <a:p>
             <a:fld id="{3A2BF66F-FEB0-48C1-A8B9-A73F54BB1A08}" type="datetimeFigureOut">
               <a:rPr lang="en-US" smtClean="0"/>
-              <a:t>6/1/2021</a:t>
+              <a:t>6/2/2021</a:t>
             </a:fld>
             <a:endParaRPr lang="en-US" dirty="0"/>
           </a:p>
@@ -2726,7 +2982,7 @@
           <a:p>
             <a:fld id="{3A2BF66F-FEB0-48C1-A8B9-A73F54BB1A08}" type="datetimeFigureOut">
               <a:rPr lang="en-US" smtClean="0"/>
-              <a:t>6/1/2021</a:t>
+              <a:t>6/2/2021</a:t>
             </a:fld>
             <a:endParaRPr lang="en-US" dirty="0"/>
           </a:p>
@@ -3046,7 +3302,7 @@
           <a:p>
             <a:fld id="{3A2BF66F-FEB0-48C1-A8B9-A73F54BB1A08}" type="datetimeFigureOut">
               <a:rPr lang="en-US" smtClean="0"/>
-              <a:t>6/1/2021</a:t>
+              <a:t>6/2/2021</a:t>
             </a:fld>
             <a:endParaRPr lang="en-US" dirty="0"/>
           </a:p>
@@ -3344,7 +3600,7 @@
           <a:p>
             <a:fld id="{3A2BF66F-FEB0-48C1-A8B9-A73F54BB1A08}" type="datetimeFigureOut">
               <a:rPr lang="en-US" smtClean="0"/>
-              <a:t>6/1/2021</a:t>
+              <a:t>6/2/2021</a:t>
             </a:fld>
             <a:endParaRPr lang="en-US" dirty="0"/>
           </a:p>
@@ -3595,7 +3851,7 @@
           <a:p>
             <a:fld id="{3A2BF66F-FEB0-48C1-A8B9-A73F54BB1A08}" type="datetimeFigureOut">
               <a:rPr lang="en-US" smtClean="0"/>
-              <a:t>6/1/2021</a:t>
+              <a:t>6/2/2021</a:t>
             </a:fld>
             <a:endParaRPr lang="en-US" dirty="0"/>
           </a:p>
@@ -4319,6 +4575,435 @@
           </a:p>
         </p:txBody>
       </p:sp>
+      <mc:AlternateContent xmlns:mc="http://schemas.openxmlformats.org/markup-compatibility/2006">
+        <mc:Choice xmlns:p14="http://schemas.microsoft.com/office/powerpoint/2010/main" Requires="p14">
+          <p:contentPart p14:bwMode="auto" r:id="rId2">
+            <p14:nvContentPartPr>
+              <p14:cNvPr id="4" name="Ink 3">
+                <a:extLst>
+                  <a:ext uri="{FF2B5EF4-FFF2-40B4-BE49-F238E27FC236}">
+                    <a16:creationId xmlns:a16="http://schemas.microsoft.com/office/drawing/2014/main" id="{10471B80-1C9A-436B-8229-1459E9651E8A}"/>
+                  </a:ext>
+                </a:extLst>
+              </p14:cNvPr>
+              <p14:cNvContentPartPr/>
+              <p14:nvPr/>
+            </p14:nvContentPartPr>
+            <p14:xfrm>
+              <a:off x="2216089" y="1710979"/>
+              <a:ext cx="696960" cy="34560"/>
+            </p14:xfrm>
+          </p:contentPart>
+        </mc:Choice>
+        <mc:Fallback>
+          <p:pic>
+            <p:nvPicPr>
+              <p:cNvPr id="4" name="Ink 3">
+                <a:extLst>
+                  <a:ext uri="{FF2B5EF4-FFF2-40B4-BE49-F238E27FC236}">
+                    <a16:creationId xmlns:a16="http://schemas.microsoft.com/office/drawing/2014/main" id="{10471B80-1C9A-436B-8229-1459E9651E8A}"/>
+                  </a:ext>
+                </a:extLst>
+              </p:cNvPr>
+              <p:cNvPicPr/>
+              <p:nvPr/>
+            </p:nvPicPr>
+            <p:blipFill>
+              <a:blip r:embed="rId3"/>
+              <a:stretch>
+                <a:fillRect/>
+              </a:stretch>
+            </p:blipFill>
+            <p:spPr>
+              <a:xfrm>
+                <a:off x="2207449" y="1701979"/>
+                <a:ext cx="714600" cy="52200"/>
+              </a:xfrm>
+              <a:prstGeom prst="rect">
+                <a:avLst/>
+              </a:prstGeom>
+            </p:spPr>
+          </p:pic>
+        </mc:Fallback>
+      </mc:AlternateContent>
+      <mc:AlternateContent xmlns:mc="http://schemas.openxmlformats.org/markup-compatibility/2006">
+        <mc:Choice xmlns:p14="http://schemas.microsoft.com/office/powerpoint/2010/main" Requires="p14">
+          <p:contentPart p14:bwMode="auto" r:id="rId4">
+            <p14:nvContentPartPr>
+              <p14:cNvPr id="5" name="Ink 4">
+                <a:extLst>
+                  <a:ext uri="{FF2B5EF4-FFF2-40B4-BE49-F238E27FC236}">
+                    <a16:creationId xmlns:a16="http://schemas.microsoft.com/office/drawing/2014/main" id="{98B08103-698E-4DA0-AA24-F6BB3D34BC6C}"/>
+                  </a:ext>
+                </a:extLst>
+              </p14:cNvPr>
+              <p14:cNvContentPartPr/>
+              <p14:nvPr/>
+            </p14:nvContentPartPr>
+            <p14:xfrm>
+              <a:off x="1843129" y="2133259"/>
+              <a:ext cx="920880" cy="64080"/>
+            </p14:xfrm>
+          </p:contentPart>
+        </mc:Choice>
+        <mc:Fallback>
+          <p:pic>
+            <p:nvPicPr>
+              <p:cNvPr id="5" name="Ink 4">
+                <a:extLst>
+                  <a:ext uri="{FF2B5EF4-FFF2-40B4-BE49-F238E27FC236}">
+                    <a16:creationId xmlns:a16="http://schemas.microsoft.com/office/drawing/2014/main" id="{98B08103-698E-4DA0-AA24-F6BB3D34BC6C}"/>
+                  </a:ext>
+                </a:extLst>
+              </p:cNvPr>
+              <p:cNvPicPr/>
+              <p:nvPr/>
+            </p:nvPicPr>
+            <p:blipFill>
+              <a:blip r:embed="rId5"/>
+              <a:stretch>
+                <a:fillRect/>
+              </a:stretch>
+            </p:blipFill>
+            <p:spPr>
+              <a:xfrm>
+                <a:off x="1834489" y="2124619"/>
+                <a:ext cx="938520" cy="81720"/>
+              </a:xfrm>
+              <a:prstGeom prst="rect">
+                <a:avLst/>
+              </a:prstGeom>
+            </p:spPr>
+          </p:pic>
+        </mc:Fallback>
+      </mc:AlternateContent>
+      <mc:AlternateContent xmlns:mc="http://schemas.openxmlformats.org/markup-compatibility/2006">
+        <mc:Choice xmlns:p14="http://schemas.microsoft.com/office/powerpoint/2010/main" Requires="p14">
+          <p:contentPart p14:bwMode="auto" r:id="rId6">
+            <p14:nvContentPartPr>
+              <p14:cNvPr id="6" name="Ink 5">
+                <a:extLst>
+                  <a:ext uri="{FF2B5EF4-FFF2-40B4-BE49-F238E27FC236}">
+                    <a16:creationId xmlns:a16="http://schemas.microsoft.com/office/drawing/2014/main" id="{973D0180-9C66-45CD-979E-0144321BD0CA}"/>
+                  </a:ext>
+                </a:extLst>
+              </p14:cNvPr>
+              <p14:cNvContentPartPr/>
+              <p14:nvPr/>
+            </p14:nvContentPartPr>
+            <p14:xfrm>
+              <a:off x="863209" y="2557699"/>
+              <a:ext cx="1039320" cy="50760"/>
+            </p14:xfrm>
+          </p:contentPart>
+        </mc:Choice>
+        <mc:Fallback>
+          <p:pic>
+            <p:nvPicPr>
+              <p:cNvPr id="6" name="Ink 5">
+                <a:extLst>
+                  <a:ext uri="{FF2B5EF4-FFF2-40B4-BE49-F238E27FC236}">
+                    <a16:creationId xmlns:a16="http://schemas.microsoft.com/office/drawing/2014/main" id="{973D0180-9C66-45CD-979E-0144321BD0CA}"/>
+                  </a:ext>
+                </a:extLst>
+              </p:cNvPr>
+              <p:cNvPicPr/>
+              <p:nvPr/>
+            </p:nvPicPr>
+            <p:blipFill>
+              <a:blip r:embed="rId7"/>
+              <a:stretch>
+                <a:fillRect/>
+              </a:stretch>
+            </p:blipFill>
+            <p:spPr>
+              <a:xfrm>
+                <a:off x="854569" y="2549059"/>
+                <a:ext cx="1056960" cy="68400"/>
+              </a:xfrm>
+              <a:prstGeom prst="rect">
+                <a:avLst/>
+              </a:prstGeom>
+            </p:spPr>
+          </p:pic>
+        </mc:Fallback>
+      </mc:AlternateContent>
+      <mc:AlternateContent xmlns:mc="http://schemas.openxmlformats.org/markup-compatibility/2006">
+        <mc:Choice xmlns:p14="http://schemas.microsoft.com/office/powerpoint/2010/main" Requires="p14">
+          <p:contentPart p14:bwMode="auto" r:id="rId8">
+            <p14:nvContentPartPr>
+              <p14:cNvPr id="7" name="Ink 6">
+                <a:extLst>
+                  <a:ext uri="{FF2B5EF4-FFF2-40B4-BE49-F238E27FC236}">
+                    <a16:creationId xmlns:a16="http://schemas.microsoft.com/office/drawing/2014/main" id="{6454790B-BE2F-4F7F-8F69-C7BA4D0D6C89}"/>
+                  </a:ext>
+                </a:extLst>
+              </p14:cNvPr>
+              <p14:cNvContentPartPr/>
+              <p14:nvPr/>
+            </p14:nvContentPartPr>
+            <p14:xfrm>
+              <a:off x="3909529" y="2563459"/>
+              <a:ext cx="694800" cy="43560"/>
+            </p14:xfrm>
+          </p:contentPart>
+        </mc:Choice>
+        <mc:Fallback>
+          <p:pic>
+            <p:nvPicPr>
+              <p:cNvPr id="7" name="Ink 6">
+                <a:extLst>
+                  <a:ext uri="{FF2B5EF4-FFF2-40B4-BE49-F238E27FC236}">
+                    <a16:creationId xmlns:a16="http://schemas.microsoft.com/office/drawing/2014/main" id="{6454790B-BE2F-4F7F-8F69-C7BA4D0D6C89}"/>
+                  </a:ext>
+                </a:extLst>
+              </p:cNvPr>
+              <p:cNvPicPr/>
+              <p:nvPr/>
+            </p:nvPicPr>
+            <p:blipFill>
+              <a:blip r:embed="rId9"/>
+              <a:stretch>
+                <a:fillRect/>
+              </a:stretch>
+            </p:blipFill>
+            <p:spPr>
+              <a:xfrm>
+                <a:off x="3900529" y="2554819"/>
+                <a:ext cx="712440" cy="61200"/>
+              </a:xfrm>
+              <a:prstGeom prst="rect">
+                <a:avLst/>
+              </a:prstGeom>
+            </p:spPr>
+          </p:pic>
+        </mc:Fallback>
+      </mc:AlternateContent>
+      <mc:AlternateContent xmlns:mc="http://schemas.openxmlformats.org/markup-compatibility/2006">
+        <mc:Choice xmlns:p14="http://schemas.microsoft.com/office/powerpoint/2010/main" Requires="p14">
+          <p:contentPart p14:bwMode="auto" r:id="rId10">
+            <p14:nvContentPartPr>
+              <p14:cNvPr id="8" name="Ink 7">
+                <a:extLst>
+                  <a:ext uri="{FF2B5EF4-FFF2-40B4-BE49-F238E27FC236}">
+                    <a16:creationId xmlns:a16="http://schemas.microsoft.com/office/drawing/2014/main" id="{DA8D6241-979C-4B87-86C9-8C3DFA0E2A5A}"/>
+                  </a:ext>
+                </a:extLst>
+              </p14:cNvPr>
+              <p14:cNvContentPartPr/>
+              <p14:nvPr/>
+            </p14:nvContentPartPr>
+            <p14:xfrm>
+              <a:off x="2469529" y="2990779"/>
+              <a:ext cx="602640" cy="9360"/>
+            </p14:xfrm>
+          </p:contentPart>
+        </mc:Choice>
+        <mc:Fallback>
+          <p:pic>
+            <p:nvPicPr>
+              <p:cNvPr id="8" name="Ink 7">
+                <a:extLst>
+                  <a:ext uri="{FF2B5EF4-FFF2-40B4-BE49-F238E27FC236}">
+                    <a16:creationId xmlns:a16="http://schemas.microsoft.com/office/drawing/2014/main" id="{DA8D6241-979C-4B87-86C9-8C3DFA0E2A5A}"/>
+                  </a:ext>
+                </a:extLst>
+              </p:cNvPr>
+              <p:cNvPicPr/>
+              <p:nvPr/>
+            </p:nvPicPr>
+            <p:blipFill>
+              <a:blip r:embed="rId11"/>
+              <a:stretch>
+                <a:fillRect/>
+              </a:stretch>
+            </p:blipFill>
+            <p:spPr>
+              <a:xfrm>
+                <a:off x="2460889" y="2981779"/>
+                <a:ext cx="620280" cy="27000"/>
+              </a:xfrm>
+              <a:prstGeom prst="rect">
+                <a:avLst/>
+              </a:prstGeom>
+            </p:spPr>
+          </p:pic>
+        </mc:Fallback>
+      </mc:AlternateContent>
+      <mc:AlternateContent xmlns:mc="http://schemas.openxmlformats.org/markup-compatibility/2006">
+        <mc:Choice xmlns:p14="http://schemas.microsoft.com/office/powerpoint/2010/main" Requires="p14">
+          <p:contentPart p14:bwMode="auto" r:id="rId12">
+            <p14:nvContentPartPr>
+              <p14:cNvPr id="9" name="Ink 8">
+                <a:extLst>
+                  <a:ext uri="{FF2B5EF4-FFF2-40B4-BE49-F238E27FC236}">
+                    <a16:creationId xmlns:a16="http://schemas.microsoft.com/office/drawing/2014/main" id="{4899EB55-1C80-4C2B-92EE-C9352BF3E681}"/>
+                  </a:ext>
+                </a:extLst>
+              </p14:cNvPr>
+              <p14:cNvContentPartPr/>
+              <p14:nvPr/>
+            </p14:nvContentPartPr>
+            <p14:xfrm>
+              <a:off x="1586449" y="4349779"/>
+              <a:ext cx="1601280" cy="49320"/>
+            </p14:xfrm>
+          </p:contentPart>
+        </mc:Choice>
+        <mc:Fallback>
+          <p:pic>
+            <p:nvPicPr>
+              <p:cNvPr id="9" name="Ink 8">
+                <a:extLst>
+                  <a:ext uri="{FF2B5EF4-FFF2-40B4-BE49-F238E27FC236}">
+                    <a16:creationId xmlns:a16="http://schemas.microsoft.com/office/drawing/2014/main" id="{4899EB55-1C80-4C2B-92EE-C9352BF3E681}"/>
+                  </a:ext>
+                </a:extLst>
+              </p:cNvPr>
+              <p:cNvPicPr/>
+              <p:nvPr/>
+            </p:nvPicPr>
+            <p:blipFill>
+              <a:blip r:embed="rId13"/>
+              <a:stretch>
+                <a:fillRect/>
+              </a:stretch>
+            </p:blipFill>
+            <p:spPr>
+              <a:xfrm>
+                <a:off x="1577809" y="4341139"/>
+                <a:ext cx="1618920" cy="66960"/>
+              </a:xfrm>
+              <a:prstGeom prst="rect">
+                <a:avLst/>
+              </a:prstGeom>
+            </p:spPr>
+          </p:pic>
+        </mc:Fallback>
+      </mc:AlternateContent>
+      <p:grpSp>
+        <p:nvGrpSpPr>
+          <p:cNvPr id="12" name="Group 11">
+            <a:extLst>
+              <a:ext uri="{FF2B5EF4-FFF2-40B4-BE49-F238E27FC236}">
+                <a16:creationId xmlns:a16="http://schemas.microsoft.com/office/drawing/2014/main" id="{DC028884-8F87-4529-A716-B060F7121F70}"/>
+              </a:ext>
+            </a:extLst>
+          </p:cNvPr>
+          <p:cNvGrpSpPr/>
+          <p:nvPr/>
+        </p:nvGrpSpPr>
+        <p:grpSpPr>
+          <a:xfrm>
+            <a:off x="2186569" y="3760819"/>
+            <a:ext cx="1875240" cy="20160"/>
+            <a:chOff x="2186569" y="3760819"/>
+            <a:chExt cx="1875240" cy="20160"/>
+          </a:xfrm>
+        </p:grpSpPr>
+        <mc:AlternateContent xmlns:mc="http://schemas.openxmlformats.org/markup-compatibility/2006">
+          <mc:Choice xmlns:p14="http://schemas.microsoft.com/office/powerpoint/2010/main" Requires="p14">
+            <p:contentPart p14:bwMode="auto" r:id="rId14">
+              <p14:nvContentPartPr>
+                <p14:cNvPr id="10" name="Ink 9">
+                  <a:extLst>
+                    <a:ext uri="{FF2B5EF4-FFF2-40B4-BE49-F238E27FC236}">
+                      <a16:creationId xmlns:a16="http://schemas.microsoft.com/office/drawing/2014/main" id="{E2C398AC-A355-46C1-9088-89D5F8EBE056}"/>
+                    </a:ext>
+                  </a:extLst>
+                </p14:cNvPr>
+                <p14:cNvContentPartPr/>
+                <p14:nvPr/>
+              </p14:nvContentPartPr>
+              <p14:xfrm>
+                <a:off x="2186569" y="3760819"/>
+                <a:ext cx="682200" cy="10440"/>
+              </p14:xfrm>
+            </p:contentPart>
+          </mc:Choice>
+          <mc:Fallback>
+            <p:pic>
+              <p:nvPicPr>
+                <p:cNvPr id="10" name="Ink 9">
+                  <a:extLst>
+                    <a:ext uri="{FF2B5EF4-FFF2-40B4-BE49-F238E27FC236}">
+                      <a16:creationId xmlns:a16="http://schemas.microsoft.com/office/drawing/2014/main" id="{E2C398AC-A355-46C1-9088-89D5F8EBE056}"/>
+                    </a:ext>
+                  </a:extLst>
+                </p:cNvPr>
+                <p:cNvPicPr/>
+                <p:nvPr/>
+              </p:nvPicPr>
+              <p:blipFill>
+                <a:blip r:embed="rId15"/>
+                <a:stretch>
+                  <a:fillRect/>
+                </a:stretch>
+              </p:blipFill>
+              <p:spPr>
+                <a:xfrm>
+                  <a:off x="2177569" y="3751819"/>
+                  <a:ext cx="699840" cy="28080"/>
+                </a:xfrm>
+                <a:prstGeom prst="rect">
+                  <a:avLst/>
+                </a:prstGeom>
+              </p:spPr>
+            </p:pic>
+          </mc:Fallback>
+        </mc:AlternateContent>
+        <mc:AlternateContent xmlns:mc="http://schemas.openxmlformats.org/markup-compatibility/2006">
+          <mc:Choice xmlns:p14="http://schemas.microsoft.com/office/powerpoint/2010/main" Requires="p14">
+            <p:contentPart p14:bwMode="auto" r:id="rId16">
+              <p14:nvContentPartPr>
+                <p14:cNvPr id="11" name="Ink 10">
+                  <a:extLst>
+                    <a:ext uri="{FF2B5EF4-FFF2-40B4-BE49-F238E27FC236}">
+                      <a16:creationId xmlns:a16="http://schemas.microsoft.com/office/drawing/2014/main" id="{BCD143B5-EB5C-4A7F-8FDB-FD707FDFA670}"/>
+                    </a:ext>
+                  </a:extLst>
+                </p14:cNvPr>
+                <p14:cNvContentPartPr/>
+                <p14:nvPr/>
+              </p14:nvContentPartPr>
+              <p14:xfrm>
+                <a:off x="3302209" y="3767659"/>
+                <a:ext cx="759600" cy="13320"/>
+              </p14:xfrm>
+            </p:contentPart>
+          </mc:Choice>
+          <mc:Fallback>
+            <p:pic>
+              <p:nvPicPr>
+                <p:cNvPr id="11" name="Ink 10">
+                  <a:extLst>
+                    <a:ext uri="{FF2B5EF4-FFF2-40B4-BE49-F238E27FC236}">
+                      <a16:creationId xmlns:a16="http://schemas.microsoft.com/office/drawing/2014/main" id="{BCD143B5-EB5C-4A7F-8FDB-FD707FDFA670}"/>
+                    </a:ext>
+                  </a:extLst>
+                </p:cNvPr>
+                <p:cNvPicPr/>
+                <p:nvPr/>
+              </p:nvPicPr>
+              <p:blipFill>
+                <a:blip r:embed="rId17"/>
+                <a:stretch>
+                  <a:fillRect/>
+                </a:stretch>
+              </p:blipFill>
+              <p:spPr>
+                <a:xfrm>
+                  <a:off x="3293569" y="3759019"/>
+                  <a:ext cx="777240" cy="30960"/>
+                </a:xfrm>
+                <a:prstGeom prst="rect">
+                  <a:avLst/>
+                </a:prstGeom>
+              </p:spPr>
+            </p:pic>
+          </mc:Fallback>
+        </mc:AlternateContent>
+      </p:grpSp>
     </p:spTree>
     <p:extLst>
       <p:ext uri="{BB962C8B-B14F-4D97-AF65-F5344CB8AC3E}">
